--- a/Профессиональное ориентирование/кубыепта.pptx
+++ b/Профессиональное ориентирование/кубыепта.pptx
@@ -222,7 +222,7 @@
             <a:fld id="{15504EF5-1B61-4C08-BFDD-5C0D5AF73FD4}" type="datetimeFigureOut">
               <a:rPr lang="ru-RU" smtClean="0"/>
               <a:pPr/>
-              <a:t>17.12.2023</a:t>
+              <a:t>28.12.2023</a:t>
             </a:fld>
             <a:endParaRPr lang="ru-RU" dirty="0"/>
           </a:p>
@@ -812,7 +812,7 @@
                 </a:solidFill>
               </a:rPr>
               <a:pPr/>
-              <a:t>17.12.2023</a:t>
+              <a:t>28.12.2023</a:t>
             </a:fld>
             <a:endParaRPr lang="ru-RU">
               <a:solidFill>
@@ -1052,7 +1052,7 @@
                 </a:solidFill>
               </a:rPr>
               <a:pPr/>
-              <a:t>17.12.2023</a:t>
+              <a:t>28.12.2023</a:t>
             </a:fld>
             <a:endParaRPr lang="ru-RU">
               <a:solidFill>
@@ -1340,7 +1340,7 @@
                 </a:solidFill>
               </a:rPr>
               <a:pPr/>
-              <a:t>17.12.2023</a:t>
+              <a:t>28.12.2023</a:t>
             </a:fld>
             <a:endParaRPr lang="ru-RU">
               <a:solidFill>
@@ -1546,7 +1546,7 @@
                 </a:solidFill>
               </a:rPr>
               <a:pPr/>
-              <a:t>17.12.2023</a:t>
+              <a:t>28.12.2023</a:t>
             </a:fld>
             <a:endParaRPr lang="ru-RU">
               <a:solidFill>
@@ -1921,7 +1921,7 @@
                 </a:solidFill>
               </a:rPr>
               <a:pPr/>
-              <a:t>17.12.2023</a:t>
+              <a:t>28.12.2023</a:t>
             </a:fld>
             <a:endParaRPr lang="ru-RU">
               <a:solidFill>
@@ -2228,7 +2228,7 @@
                 </a:solidFill>
               </a:rPr>
               <a:pPr/>
-              <a:t>17.12.2023</a:t>
+              <a:t>28.12.2023</a:t>
             </a:fld>
             <a:endParaRPr lang="ru-RU">
               <a:solidFill>
@@ -2639,7 +2639,7 @@
                 </a:solidFill>
               </a:rPr>
               <a:pPr/>
-              <a:t>17.12.2023</a:t>
+              <a:t>28.12.2023</a:t>
             </a:fld>
             <a:endParaRPr lang="ru-RU">
               <a:solidFill>
@@ -2789,7 +2789,7 @@
                 </a:solidFill>
               </a:rPr>
               <a:pPr/>
-              <a:t>17.12.2023</a:t>
+              <a:t>28.12.2023</a:t>
             </a:fld>
             <a:endParaRPr lang="ru-RU">
               <a:solidFill>
@@ -2992,7 +2992,7 @@
                 </a:solidFill>
               </a:rPr>
               <a:pPr/>
-              <a:t>17.12.2023</a:t>
+              <a:t>28.12.2023</a:t>
             </a:fld>
             <a:endParaRPr lang="ru-RU">
               <a:solidFill>
@@ -3378,7 +3378,7 @@
                 </a:solidFill>
               </a:rPr>
               <a:pPr/>
-              <a:t>17.12.2023</a:t>
+              <a:t>28.12.2023</a:t>
             </a:fld>
             <a:endParaRPr lang="ru-RU">
               <a:solidFill>
@@ -3792,7 +3792,7 @@
                 </a:solidFill>
               </a:rPr>
               <a:pPr/>
-              <a:t>17.12.2023</a:t>
+              <a:t>28.12.2023</a:t>
             </a:fld>
             <a:endParaRPr lang="ru-RU">
               <a:solidFill>
@@ -4112,7 +4112,7 @@
                 </a:solidFill>
               </a:rPr>
               <a:pPr defTabSz="1794047"/>
-              <a:t>17.12.2023</a:t>
+              <a:t>28.12.2023</a:t>
             </a:fld>
             <a:endParaRPr lang="ru-RU">
               <a:solidFill>
@@ -4793,9 +4793,6 @@
               </a:rPr>
               <a:t>Создание системы для OLAP – кубов</a:t>
             </a:r>
-            <a:endParaRPr lang="ru-RU" sz="9600" dirty="0">
-              <a:latin typeface="IBM Plex Mono" panose="020B0509050203000203"/>
-            </a:endParaRPr>
           </a:p>
         </p:txBody>
       </p:sp>
@@ -4967,25 +4964,7 @@
               <a:rPr lang="ru-RU" sz="2400" b="1" dirty="0" smtClean="0">
                 <a:latin typeface="IBM Plex Mono" panose="020B0509050203000203"/>
               </a:rPr>
-              <a:t>Миронов</a:t>
-            </a:r>
-            <a:r>
-              <a:rPr lang="ru-RU" sz="2400" b="1" dirty="0" smtClean="0">
-                <a:latin typeface="IBM Plex Mono" panose="020B0509050203000203"/>
-              </a:rPr>
-              <a:t> </a:t>
-            </a:r>
-            <a:r>
-              <a:rPr lang="ru-RU" sz="2400" b="1" dirty="0" smtClean="0">
-                <a:latin typeface="IBM Plex Mono" panose="020B0509050203000203"/>
-              </a:rPr>
-              <a:t>Д</a:t>
-            </a:r>
-            <a:r>
-              <a:rPr lang="ru-RU" sz="2400" b="1" dirty="0" smtClean="0">
-                <a:latin typeface="IBM Plex Mono" panose="020B0509050203000203"/>
-              </a:rPr>
-              <a:t>.С.</a:t>
+              <a:t>Миронов Д.С.</a:t>
             </a:r>
             <a:endParaRPr lang="ru-RU" sz="2400" b="1" dirty="0">
               <a:latin typeface="IBM Plex Mono" panose="020B0509050203000203"/>
@@ -5364,10 +5343,6 @@
               </a:rPr>
               <a:t>задачи </a:t>
             </a:r>
-            <a:endParaRPr lang="ru-RU" sz="4700" b="1" dirty="0">
-              <a:latin typeface="Montserrat SemiBold" pitchFamily="2" charset="77"/>
-              <a:cs typeface="Times New Roman" panose="02020603050405020304" pitchFamily="18" charset="0"/>
-            </a:endParaRPr>
           </a:p>
         </p:txBody>
       </p:sp>
@@ -5407,13 +5382,7 @@
               <a:rPr lang="ru-RU" sz="2800" dirty="0" smtClean="0">
                 <a:latin typeface="IBM Plex Mono" panose="020B0509050203000203" pitchFamily="49" charset="-52"/>
               </a:rPr>
-              <a:t>Создание своей системы дл</a:t>
-            </a:r>
-            <a:r>
-              <a:rPr lang="ru-RU" sz="2800" dirty="0" smtClean="0">
-                <a:latin typeface="IBM Plex Mono" panose="020B0509050203000203" pitchFamily="49" charset="-52"/>
-              </a:rPr>
-              <a:t>я формирование </a:t>
+              <a:t>Создание своей системы для формирование </a:t>
             </a:r>
             <a:r>
               <a:rPr lang="en-US" sz="2800" dirty="0" smtClean="0">
@@ -5690,13 +5659,7 @@
               <a:rPr lang="ru-RU" sz="2800" b="1" dirty="0" smtClean="0">
                 <a:latin typeface="IBM Plex Mono" panose="020B0509050203000203"/>
               </a:rPr>
-              <a:t>Функциональная доработка и техническая поддержка</a:t>
-            </a:r>
-            <a:r>
-              <a:rPr lang="ru-RU" sz="2800" b="1" dirty="0" smtClean="0">
-                <a:latin typeface="IBM Plex Mono" panose="020B0509050203000203"/>
-              </a:rPr>
-              <a:t>:</a:t>
+              <a:t>Функциональная доработка и техническая поддержка:</a:t>
             </a:r>
           </a:p>
           <a:p>
@@ -5972,13 +5935,7 @@
               <a:rPr lang="ru-RU" sz="2800" b="1" dirty="0" smtClean="0">
                 <a:latin typeface="IBM Plex Mono" panose="020B0509050203000203"/>
               </a:rPr>
-              <a:t>Способ хранения агрегированны</a:t>
-            </a:r>
-            <a:r>
-              <a:rPr lang="ru-RU" sz="2800" b="1" dirty="0" smtClean="0">
-                <a:latin typeface="IBM Plex Mono" panose="020B0509050203000203"/>
-              </a:rPr>
-              <a:t>х данных</a:t>
+              <a:t>Способ хранения агрегированных данных</a:t>
             </a:r>
             <a:r>
               <a:rPr lang="en-US" sz="2800" dirty="0" smtClean="0">
@@ -6205,9 +6162,6 @@
               </a:rPr>
               <a:t>согласованность отчетов и анализа. Поскольку кубы построены на основе определенной модели данных, все пользователи, обращающиеся к кубу, получают согласованные результаты. Это гарантирует, что лица, принимающие решения во всей организации, имеют общее понимание данных, что приводит к улучшению сотрудничества и принятия решений.</a:t>
             </a:r>
-            <a:endParaRPr lang="ru-RU" sz="2800" dirty="0">
-              <a:latin typeface="IBM Plex Mono" panose="020B0509050203000203"/>
-            </a:endParaRPr>
           </a:p>
         </p:txBody>
       </p:sp>
@@ -6305,7 +6259,7 @@
         <p:spPr>
           <a:xfrm>
             <a:off x="1441450" y="1713056"/>
-            <a:ext cx="12115791" cy="1569541"/>
+            <a:ext cx="17678400" cy="1200209"/>
           </a:xfrm>
           <a:prstGeom prst="rect">
             <a:avLst/>
@@ -6358,13 +6312,7 @@
               <a:rPr lang="ru-RU" sz="2400" dirty="0" smtClean="0">
                 <a:latin typeface="IBM Plex Mono" panose="020B0509050203000203" pitchFamily="49" charset="-52"/>
               </a:rPr>
-              <a:t>Переход на сво</a:t>
-            </a:r>
-            <a:r>
-              <a:rPr lang="ru-RU" sz="2400" dirty="0" smtClean="0">
-                <a:latin typeface="IBM Plex Mono" panose="020B0509050203000203" pitchFamily="49" charset="-52"/>
-              </a:rPr>
-              <a:t>ю платформу и ее поддержки.</a:t>
+              <a:t>Переход на свою платформу и ее поддержки.</a:t>
             </a:r>
             <a:endParaRPr lang="ru-RU" sz="2400" dirty="0">
               <a:latin typeface="IBM Plex Mono" panose="020B0509050203000203" pitchFamily="49" charset="-52"/>
@@ -6616,13 +6564,7 @@
               <a:rPr lang="ru-RU" sz="2400" dirty="0" smtClean="0">
                 <a:latin typeface="IBM Plex Mono" panose="020B0509050203000203" pitchFamily="49" charset="-52"/>
               </a:rPr>
-              <a:t>Возможность использовать платные подписки при использовании специальны</a:t>
-            </a:r>
-            <a:r>
-              <a:rPr lang="ru-RU" sz="2400" dirty="0" smtClean="0">
-                <a:latin typeface="IBM Plex Mono" panose="020B0509050203000203" pitchFamily="49" charset="-52"/>
-              </a:rPr>
-              <a:t>х доработок</a:t>
+              <a:t>Возможность использовать платные подписки при использовании специальных доработок</a:t>
             </a:r>
             <a:endParaRPr lang="ru-RU" sz="2400" dirty="0">
               <a:latin typeface="IBM Plex Mono" panose="020B0509050203000203" pitchFamily="49" charset="-52"/>
@@ -6756,7 +6698,7 @@
         <p:spPr>
           <a:xfrm>
             <a:off x="908050" y="1767538"/>
-            <a:ext cx="18669000" cy="5262979"/>
+            <a:ext cx="18669000" cy="6555641"/>
           </a:xfrm>
           <a:prstGeom prst="rect">
             <a:avLst/>
@@ -6912,45 +6854,89 @@
                 <a:latin typeface="IBM Plex Mono" panose="020B0509050203000203" pitchFamily="49" charset="-52"/>
                 <a:ea typeface="MS Mincho" panose="02020609040205080304" pitchFamily="49" charset="-128"/>
               </a:rPr>
-              <a:t>200000 руб.)</a:t>
-            </a:r>
+              <a:t>200000 руб</a:t>
+            </a:r>
+            <a:r>
+              <a:rPr lang="ru-RU" sz="2800" dirty="0" smtClean="0">
+                <a:latin typeface="IBM Plex Mono" panose="020B0509050203000203" pitchFamily="49" charset="-52"/>
+                <a:ea typeface="MS Mincho" panose="02020609040205080304" pitchFamily="49" charset="-128"/>
+              </a:rPr>
+              <a:t>.)</a:t>
+            </a:r>
+            <a:endParaRPr lang="en-US" sz="2800" dirty="0" smtClean="0">
+              <a:latin typeface="IBM Plex Mono" panose="020B0509050203000203" pitchFamily="49" charset="-52"/>
+              <a:ea typeface="MS Mincho" panose="02020609040205080304" pitchFamily="49" charset="-128"/>
+            </a:endParaRPr>
           </a:p>
           <a:p>
             <a:pPr lvl="1"/>
             <a:r>
+              <a:rPr lang="en-US" sz="2800" dirty="0" smtClean="0">
+                <a:latin typeface="IBM Plex Mono" panose="020B0509050203000203" pitchFamily="49" charset="-52"/>
+                <a:ea typeface="MS Mincho" panose="02020609040205080304" pitchFamily="49" charset="-128"/>
+              </a:rPr>
+              <a:t>	1.3 </a:t>
+            </a:r>
+            <a:r>
               <a:rPr lang="ru-RU" sz="2800" dirty="0" smtClean="0">
                 <a:latin typeface="IBM Plex Mono" panose="020B0509050203000203" pitchFamily="49" charset="-52"/>
                 <a:ea typeface="MS Mincho" panose="02020609040205080304" pitchFamily="49" charset="-128"/>
               </a:rPr>
-              <a:t>2. </a:t>
-            </a:r>
-            <a:r>
-              <a:rPr lang="ru-RU" sz="2800" b="1" dirty="0" smtClean="0">
-                <a:latin typeface="IBM Plex Mono" panose="020B0509050203000203" pitchFamily="49" charset="-52"/>
-                <a:ea typeface="MS Mincho" panose="02020609040205080304" pitchFamily="49" charset="-128"/>
-              </a:rPr>
-              <a:t>Разработка</a:t>
-            </a:r>
-            <a:r>
-              <a:rPr lang="en-US" sz="2800" dirty="0" smtClean="0">
-                <a:latin typeface="IBM Plex Mono" panose="020B0509050203000203" pitchFamily="49" charset="-52"/>
-                <a:ea typeface="MS Mincho" panose="02020609040205080304" pitchFamily="49" charset="-128"/>
-              </a:rPr>
-              <a:t> (1 </a:t>
+              <a:t>Поиск </a:t>
+            </a:r>
+            <a:r>
+              <a:rPr lang="ru-RU" sz="2800" dirty="0">
+                <a:latin typeface="IBM Plex Mono" panose="020B0509050203000203" pitchFamily="49" charset="-52"/>
+              </a:rPr>
+              <a:t>с</a:t>
             </a:r>
             <a:r>
               <a:rPr lang="ru-RU" sz="2800" dirty="0" smtClean="0">
                 <a:latin typeface="IBM Plex Mono" panose="020B0509050203000203" pitchFamily="49" charset="-52"/>
-                <a:ea typeface="MS Mincho" panose="02020609040205080304" pitchFamily="49" charset="-128"/>
-              </a:rPr>
-              <a:t>год</a:t>
-            </a:r>
-            <a:r>
-              <a:rPr lang="en-US" sz="2800" dirty="0" smtClean="0">
-                <a:latin typeface="IBM Plex Mono" panose="020B0509050203000203" pitchFamily="49" charset="-52"/>
-                <a:ea typeface="MS Mincho" panose="02020609040205080304" pitchFamily="49" charset="-128"/>
-              </a:rPr>
-              <a:t>)</a:t>
+              </a:rPr>
+              <a:t>истемного аналитика (100000 руб.)</a:t>
+            </a:r>
+          </a:p>
+          <a:p>
+            <a:pPr lvl="1"/>
+            <a:r>
+              <a:rPr lang="ru-RU" sz="2800" dirty="0" smtClean="0">
+                <a:latin typeface="IBM Plex Mono" panose="020B0509050203000203" pitchFamily="49" charset="-52"/>
+              </a:rPr>
+              <a:t>	1.4 Специалист </a:t>
+            </a:r>
+            <a:r>
+              <a:rPr lang="ru-RU" sz="2800" dirty="0">
+                <a:latin typeface="IBM Plex Mono" panose="020B0509050203000203" pitchFamily="49" charset="-52"/>
+              </a:rPr>
+              <a:t>по </a:t>
+            </a:r>
+            <a:r>
+              <a:rPr lang="ru-RU" sz="2800" dirty="0" smtClean="0">
+                <a:latin typeface="IBM Plex Mono" panose="020B0509050203000203" pitchFamily="49" charset="-52"/>
+              </a:rPr>
+              <a:t>обучению (30000 руб.)</a:t>
+            </a:r>
+          </a:p>
+          <a:p>
+            <a:pPr lvl="1"/>
+            <a:r>
+              <a:rPr lang="ru-RU" sz="2800" dirty="0" smtClean="0">
+                <a:latin typeface="IBM Plex Mono" panose="020B0509050203000203" pitchFamily="49" charset="-52"/>
+              </a:rPr>
+              <a:t>	1.5 Техническая поддержка (30000 </a:t>
+            </a:r>
+            <a:r>
+              <a:rPr lang="ru-RU" sz="2800" dirty="0">
+                <a:latin typeface="IBM Plex Mono" panose="020B0509050203000203" pitchFamily="49" charset="-52"/>
+              </a:rPr>
+              <a:t>руб</a:t>
+            </a:r>
+            <a:r>
+              <a:rPr lang="ru-RU" sz="2800" dirty="0" smtClean="0">
+                <a:latin typeface="IBM Plex Mono" panose="020B0509050203000203" pitchFamily="49" charset="-52"/>
+              </a:rPr>
+              <a:t>.)</a:t>
             </a:r>
             <a:endParaRPr lang="ru-RU" sz="2800" dirty="0" smtClean="0">
               <a:latin typeface="IBM Plex Mono" panose="020B0509050203000203" pitchFamily="49" charset="-52"/>
@@ -6960,164 +6946,202 @@
           <a:p>
             <a:pPr lvl="1"/>
             <a:r>
+              <a:rPr lang="ru-RU" sz="2800" dirty="0" smtClean="0">
+                <a:latin typeface="IBM Plex Mono" panose="020B0509050203000203" pitchFamily="49" charset="-52"/>
+                <a:ea typeface="MS Mincho" panose="02020609040205080304" pitchFamily="49" charset="-128"/>
+              </a:rPr>
+              <a:t>2. </a:t>
+            </a:r>
+            <a:r>
+              <a:rPr lang="ru-RU" sz="2800" b="1" dirty="0" smtClean="0">
+                <a:latin typeface="IBM Plex Mono" panose="020B0509050203000203" pitchFamily="49" charset="-52"/>
+                <a:ea typeface="MS Mincho" panose="02020609040205080304" pitchFamily="49" charset="-128"/>
+              </a:rPr>
+              <a:t>Разработка</a:t>
+            </a:r>
+            <a:r>
               <a:rPr lang="en-US" sz="2800" dirty="0" smtClean="0">
                 <a:latin typeface="IBM Plex Mono" panose="020B0509050203000203" pitchFamily="49" charset="-52"/>
                 <a:ea typeface="MS Mincho" panose="02020609040205080304" pitchFamily="49" charset="-128"/>
               </a:rPr>
-              <a:t>	2.1 </a:t>
+              <a:t> (1 </a:t>
             </a:r>
             <a:r>
               <a:rPr lang="ru-RU" sz="2800" dirty="0" smtClean="0">
                 <a:latin typeface="IBM Plex Mono" panose="020B0509050203000203" pitchFamily="49" charset="-52"/>
                 <a:ea typeface="MS Mincho" panose="02020609040205080304" pitchFamily="49" charset="-128"/>
               </a:rPr>
-              <a:t>Настройка </a:t>
-            </a:r>
-            <a:r>
-              <a:rPr lang="ru-RU" sz="2800" dirty="0">
+              <a:t>год</a:t>
+            </a:r>
+            <a:r>
+              <a:rPr lang="en-US" sz="2800" dirty="0" smtClean="0">
                 <a:latin typeface="IBM Plex Mono" panose="020B0509050203000203" pitchFamily="49" charset="-52"/>
                 <a:ea typeface="MS Mincho" panose="02020609040205080304" pitchFamily="49" charset="-128"/>
               </a:rPr>
-              <a:t>сервера (1 месяц</a:t>
-            </a:r>
-            <a:r>
-              <a:rPr lang="ru-RU" sz="2800" dirty="0" smtClean="0">
-                <a:latin typeface="IBM Plex Mono" panose="020B0509050203000203" pitchFamily="49" charset="-52"/>
-                <a:ea typeface="MS Mincho" panose="02020609040205080304" pitchFamily="49" charset="-128"/>
-              </a:rPr>
               <a:t>)</a:t>
-            </a:r>
-          </a:p>
-          <a:p>
-            <a:pPr lvl="1"/>
-            <a:r>
-              <a:rPr lang="en-US" sz="2800" dirty="0" smtClean="0">
-                <a:latin typeface="IBM Plex Mono" panose="020B0509050203000203" pitchFamily="49" charset="-52"/>
-                <a:ea typeface="MS Mincho" panose="02020609040205080304" pitchFamily="49" charset="-128"/>
-              </a:rPr>
-              <a:t>	2.2 </a:t>
-            </a:r>
-            <a:r>
-              <a:rPr lang="ru-RU" sz="2800" dirty="0" smtClean="0">
-                <a:latin typeface="IBM Plex Mono" panose="020B0509050203000203" pitchFamily="49" charset="-52"/>
-                <a:ea typeface="MS Mincho" panose="02020609040205080304" pitchFamily="49" charset="-128"/>
-              </a:rPr>
-              <a:t>Создание </a:t>
-            </a:r>
-            <a:r>
-              <a:rPr lang="en-US" sz="2800" dirty="0" err="1">
-                <a:latin typeface="IBM Plex Mono" panose="020B0509050203000203" pitchFamily="49" charset="-52"/>
-                <a:ea typeface="MS Mincho" panose="02020609040205080304" pitchFamily="49" charset="-128"/>
-              </a:rPr>
-              <a:t>wsgi</a:t>
-            </a:r>
-            <a:r>
-              <a:rPr lang="ru-RU" sz="2800" dirty="0">
-                <a:latin typeface="IBM Plex Mono" panose="020B0509050203000203" pitchFamily="49" charset="-52"/>
-                <a:ea typeface="MS Mincho" panose="02020609040205080304" pitchFamily="49" charset="-128"/>
-              </a:rPr>
-              <a:t>-сервера (1 месяц)</a:t>
-            </a:r>
-          </a:p>
-          <a:p>
-            <a:pPr lvl="1"/>
-            <a:r>
-              <a:rPr lang="ru-RU" sz="2800" dirty="0" smtClean="0">
-                <a:latin typeface="IBM Plex Mono" panose="020B0509050203000203" pitchFamily="49" charset="-52"/>
-                <a:ea typeface="MS Mincho" panose="02020609040205080304" pitchFamily="49" charset="-128"/>
-              </a:rPr>
-              <a:t>	2.</a:t>
-            </a:r>
-            <a:r>
-              <a:rPr lang="en-US" sz="2800" dirty="0" smtClean="0">
-                <a:latin typeface="IBM Plex Mono" panose="020B0509050203000203" pitchFamily="49" charset="-52"/>
-                <a:ea typeface="MS Mincho" panose="02020609040205080304" pitchFamily="49" charset="-128"/>
-              </a:rPr>
-              <a:t>3</a:t>
-            </a:r>
-            <a:r>
-              <a:rPr lang="ru-RU" sz="2800" dirty="0" smtClean="0">
-                <a:latin typeface="IBM Plex Mono" panose="020B0509050203000203" pitchFamily="49" charset="-52"/>
-                <a:ea typeface="MS Mincho" panose="02020609040205080304" pitchFamily="49" charset="-128"/>
-              </a:rPr>
-              <a:t> Создание визуальной составляющей платформы (3-4 месяца)</a:t>
-            </a:r>
-          </a:p>
-          <a:p>
-            <a:pPr lvl="1"/>
-            <a:r>
-              <a:rPr lang="ru-RU" sz="2800" dirty="0" smtClean="0">
-                <a:latin typeface="IBM Plex Mono" panose="020B0509050203000203" pitchFamily="49" charset="-52"/>
-                <a:ea typeface="MS Mincho" panose="02020609040205080304" pitchFamily="49" charset="-128"/>
-              </a:rPr>
-              <a:t>	2.</a:t>
-            </a:r>
-            <a:r>
-              <a:rPr lang="en-US" sz="2800" dirty="0" smtClean="0">
-                <a:latin typeface="IBM Plex Mono" panose="020B0509050203000203" pitchFamily="49" charset="-52"/>
-                <a:ea typeface="MS Mincho" panose="02020609040205080304" pitchFamily="49" charset="-128"/>
-              </a:rPr>
-              <a:t>4</a:t>
-            </a:r>
-            <a:r>
-              <a:rPr lang="ru-RU" sz="2800" dirty="0" smtClean="0">
-                <a:latin typeface="IBM Plex Mono" panose="020B0509050203000203" pitchFamily="49" charset="-52"/>
-                <a:ea typeface="MS Mincho" panose="02020609040205080304" pitchFamily="49" charset="-128"/>
-              </a:rPr>
-              <a:t> Создание архитектуры базы данных (1 месяц)</a:t>
-            </a:r>
-          </a:p>
-          <a:p>
-            <a:pPr lvl="1"/>
-            <a:r>
-              <a:rPr lang="ru-RU" sz="2800" dirty="0" smtClean="0">
-                <a:latin typeface="IBM Plex Mono" panose="020B0509050203000203" pitchFamily="49" charset="-52"/>
-                <a:ea typeface="MS Mincho" panose="02020609040205080304" pitchFamily="49" charset="-128"/>
-              </a:rPr>
-              <a:t>	2.</a:t>
-            </a:r>
-            <a:r>
-              <a:rPr lang="en-US" sz="2800" dirty="0" smtClean="0">
-                <a:latin typeface="IBM Plex Mono" panose="020B0509050203000203" pitchFamily="49" charset="-52"/>
-                <a:ea typeface="MS Mincho" panose="02020609040205080304" pitchFamily="49" charset="-128"/>
-              </a:rPr>
-              <a:t>5</a:t>
-            </a:r>
-            <a:r>
-              <a:rPr lang="ru-RU" sz="2800" dirty="0" smtClean="0">
-                <a:latin typeface="IBM Plex Mono" panose="020B0509050203000203" pitchFamily="49" charset="-52"/>
-                <a:ea typeface="MS Mincho" panose="02020609040205080304" pitchFamily="49" charset="-128"/>
-              </a:rPr>
-              <a:t> Создание функциональной части (8 месяцев)</a:t>
-            </a:r>
-          </a:p>
-          <a:p>
-            <a:pPr lvl="1"/>
-            <a:r>
-              <a:rPr lang="ru-RU" sz="2800" dirty="0" smtClean="0">
-                <a:latin typeface="IBM Plex Mono" panose="020B0509050203000203" pitchFamily="49" charset="-52"/>
-                <a:ea typeface="MS Mincho" panose="02020609040205080304" pitchFamily="49" charset="-128"/>
-              </a:rPr>
-              <a:t>3. </a:t>
-            </a:r>
-            <a:r>
-              <a:rPr lang="ru-RU" sz="2800" b="1" dirty="0" smtClean="0">
-                <a:latin typeface="IBM Plex Mono" panose="020B0509050203000203" pitchFamily="49" charset="-52"/>
-                <a:ea typeface="MS Mincho" panose="02020609040205080304" pitchFamily="49" charset="-128"/>
-              </a:rPr>
-              <a:t>Тестирование</a:t>
-            </a:r>
-            <a:r>
-              <a:rPr lang="ru-RU" sz="2800" dirty="0" smtClean="0">
-                <a:latin typeface="IBM Plex Mono" panose="020B0509050203000203" pitchFamily="49" charset="-52"/>
-                <a:ea typeface="MS Mincho" panose="02020609040205080304" pitchFamily="49" charset="-128"/>
-              </a:rPr>
-              <a:t> (3 месяца)</a:t>
             </a:r>
             <a:endParaRPr lang="ru-RU" sz="2800" dirty="0" smtClean="0">
               <a:latin typeface="IBM Plex Mono" panose="020B0509050203000203" pitchFamily="49" charset="-52"/>
               <a:ea typeface="MS Mincho" panose="02020609040205080304" pitchFamily="49" charset="-128"/>
             </a:endParaRPr>
+          </a:p>
+          <a:p>
+            <a:pPr lvl="1"/>
+            <a:r>
+              <a:rPr lang="en-US" sz="2800" dirty="0" smtClean="0">
+                <a:latin typeface="IBM Plex Mono" panose="020B0509050203000203" pitchFamily="49" charset="-52"/>
+                <a:ea typeface="MS Mincho" panose="02020609040205080304" pitchFamily="49" charset="-128"/>
+              </a:rPr>
+              <a:t>	2.1 </a:t>
+            </a:r>
+            <a:r>
+              <a:rPr lang="ru-RU" sz="2800" dirty="0" smtClean="0">
+                <a:latin typeface="IBM Plex Mono" panose="020B0509050203000203" pitchFamily="49" charset="-52"/>
+                <a:ea typeface="MS Mincho" panose="02020609040205080304" pitchFamily="49" charset="-128"/>
+              </a:rPr>
+              <a:t>Настройка </a:t>
+            </a:r>
+            <a:r>
+              <a:rPr lang="ru-RU" sz="2800" dirty="0">
+                <a:latin typeface="IBM Plex Mono" panose="020B0509050203000203" pitchFamily="49" charset="-52"/>
+                <a:ea typeface="MS Mincho" panose="02020609040205080304" pitchFamily="49" charset="-128"/>
+              </a:rPr>
+              <a:t>сервера (1 месяц</a:t>
+            </a:r>
+            <a:r>
+              <a:rPr lang="ru-RU" sz="2800" dirty="0" smtClean="0">
+                <a:latin typeface="IBM Plex Mono" panose="020B0509050203000203" pitchFamily="49" charset="-52"/>
+                <a:ea typeface="MS Mincho" panose="02020609040205080304" pitchFamily="49" charset="-128"/>
+              </a:rPr>
+              <a:t>)</a:t>
+            </a:r>
+          </a:p>
+          <a:p>
+            <a:pPr lvl="1"/>
+            <a:r>
+              <a:rPr lang="en-US" sz="2800" dirty="0" smtClean="0">
+                <a:latin typeface="IBM Plex Mono" panose="020B0509050203000203" pitchFamily="49" charset="-52"/>
+                <a:ea typeface="MS Mincho" panose="02020609040205080304" pitchFamily="49" charset="-128"/>
+              </a:rPr>
+              <a:t>	2.2 </a:t>
+            </a:r>
+            <a:r>
+              <a:rPr lang="ru-RU" sz="2800" dirty="0" smtClean="0">
+                <a:latin typeface="IBM Plex Mono" panose="020B0509050203000203" pitchFamily="49" charset="-52"/>
+                <a:ea typeface="MS Mincho" panose="02020609040205080304" pitchFamily="49" charset="-128"/>
+              </a:rPr>
+              <a:t>Создание </a:t>
+            </a:r>
+            <a:r>
+              <a:rPr lang="en-US" sz="2800" dirty="0" err="1">
+                <a:latin typeface="IBM Plex Mono" panose="020B0509050203000203" pitchFamily="49" charset="-52"/>
+                <a:ea typeface="MS Mincho" panose="02020609040205080304" pitchFamily="49" charset="-128"/>
+              </a:rPr>
+              <a:t>wsgi</a:t>
+            </a:r>
+            <a:r>
+              <a:rPr lang="ru-RU" sz="2800" dirty="0">
+                <a:latin typeface="IBM Plex Mono" panose="020B0509050203000203" pitchFamily="49" charset="-52"/>
+                <a:ea typeface="MS Mincho" panose="02020609040205080304" pitchFamily="49" charset="-128"/>
+              </a:rPr>
+              <a:t>-сервера (1 месяц)</a:t>
+            </a:r>
+          </a:p>
+          <a:p>
+            <a:pPr lvl="1"/>
+            <a:r>
+              <a:rPr lang="ru-RU" sz="2800" dirty="0" smtClean="0">
+                <a:latin typeface="IBM Plex Mono" panose="020B0509050203000203" pitchFamily="49" charset="-52"/>
+                <a:ea typeface="MS Mincho" panose="02020609040205080304" pitchFamily="49" charset="-128"/>
+              </a:rPr>
+              <a:t>	2.</a:t>
+            </a:r>
+            <a:r>
+              <a:rPr lang="en-US" sz="2800" dirty="0" smtClean="0">
+                <a:latin typeface="IBM Plex Mono" panose="020B0509050203000203" pitchFamily="49" charset="-52"/>
+                <a:ea typeface="MS Mincho" panose="02020609040205080304" pitchFamily="49" charset="-128"/>
+              </a:rPr>
+              <a:t>3</a:t>
+            </a:r>
+            <a:r>
+              <a:rPr lang="ru-RU" sz="2800" dirty="0" smtClean="0">
+                <a:latin typeface="IBM Plex Mono" panose="020B0509050203000203" pitchFamily="49" charset="-52"/>
+                <a:ea typeface="MS Mincho" panose="02020609040205080304" pitchFamily="49" charset="-128"/>
+              </a:rPr>
+              <a:t> Создание визуальной составляющей платформы (3-4 месяца)</a:t>
+            </a:r>
+          </a:p>
+          <a:p>
+            <a:pPr lvl="1"/>
+            <a:r>
+              <a:rPr lang="ru-RU" sz="2800" dirty="0" smtClean="0">
+                <a:latin typeface="IBM Plex Mono" panose="020B0509050203000203" pitchFamily="49" charset="-52"/>
+                <a:ea typeface="MS Mincho" panose="02020609040205080304" pitchFamily="49" charset="-128"/>
+              </a:rPr>
+              <a:t>	2.</a:t>
+            </a:r>
+            <a:r>
+              <a:rPr lang="en-US" sz="2800" dirty="0" smtClean="0">
+                <a:latin typeface="IBM Plex Mono" panose="020B0509050203000203" pitchFamily="49" charset="-52"/>
+                <a:ea typeface="MS Mincho" panose="02020609040205080304" pitchFamily="49" charset="-128"/>
+              </a:rPr>
+              <a:t>4</a:t>
+            </a:r>
+            <a:r>
+              <a:rPr lang="ru-RU" sz="2800" dirty="0" smtClean="0">
+                <a:latin typeface="IBM Plex Mono" panose="020B0509050203000203" pitchFamily="49" charset="-52"/>
+                <a:ea typeface="MS Mincho" panose="02020609040205080304" pitchFamily="49" charset="-128"/>
+              </a:rPr>
+              <a:t> Создание архитектуры базы данных (1 месяц)</a:t>
+            </a:r>
+          </a:p>
+          <a:p>
+            <a:pPr lvl="1"/>
+            <a:r>
+              <a:rPr lang="ru-RU" sz="2800" dirty="0" smtClean="0">
+                <a:latin typeface="IBM Plex Mono" panose="020B0509050203000203" pitchFamily="49" charset="-52"/>
+                <a:ea typeface="MS Mincho" panose="02020609040205080304" pitchFamily="49" charset="-128"/>
+              </a:rPr>
+              <a:t>	2.</a:t>
+            </a:r>
+            <a:r>
+              <a:rPr lang="en-US" sz="2800" dirty="0" smtClean="0">
+                <a:latin typeface="IBM Plex Mono" panose="020B0509050203000203" pitchFamily="49" charset="-52"/>
+                <a:ea typeface="MS Mincho" panose="02020609040205080304" pitchFamily="49" charset="-128"/>
+              </a:rPr>
+              <a:t>5</a:t>
+            </a:r>
+            <a:r>
+              <a:rPr lang="ru-RU" sz="2800" dirty="0" smtClean="0">
+                <a:latin typeface="IBM Plex Mono" panose="020B0509050203000203" pitchFamily="49" charset="-52"/>
+                <a:ea typeface="MS Mincho" panose="02020609040205080304" pitchFamily="49" charset="-128"/>
+              </a:rPr>
+              <a:t> Создание функциональной части (8 месяцев)</a:t>
+            </a:r>
+          </a:p>
+          <a:p>
+            <a:pPr lvl="1"/>
+            <a:r>
+              <a:rPr lang="ru-RU" sz="2800" dirty="0" smtClean="0">
+                <a:latin typeface="IBM Plex Mono" panose="020B0509050203000203" pitchFamily="49" charset="-52"/>
+                <a:ea typeface="MS Mincho" panose="02020609040205080304" pitchFamily="49" charset="-128"/>
+              </a:rPr>
+              <a:t>3. </a:t>
+            </a:r>
+            <a:r>
+              <a:rPr lang="ru-RU" sz="2800" b="1" dirty="0" smtClean="0">
+                <a:latin typeface="IBM Plex Mono" panose="020B0509050203000203" pitchFamily="49" charset="-52"/>
+                <a:ea typeface="MS Mincho" panose="02020609040205080304" pitchFamily="49" charset="-128"/>
+              </a:rPr>
+              <a:t>Тестирование</a:t>
+            </a:r>
+            <a:r>
+              <a:rPr lang="ru-RU" sz="2800" dirty="0" smtClean="0">
+                <a:latin typeface="IBM Plex Mono" panose="020B0509050203000203" pitchFamily="49" charset="-52"/>
+                <a:ea typeface="MS Mincho" panose="02020609040205080304" pitchFamily="49" charset="-128"/>
+              </a:rPr>
+              <a:t> (3 месяца)</a:t>
+            </a:r>
           </a:p>
           <a:p>
             <a:pPr lvl="1"/>
@@ -7179,13 +7203,13 @@
               <a:rPr lang="ru-RU" sz="4000" b="1" dirty="0" smtClean="0">
                 <a:latin typeface="Montserrat SemiBold"/>
               </a:rPr>
-              <a:t>400</a:t>
+              <a:t>56</a:t>
             </a:r>
             <a:r>
               <a:rPr lang="ru-RU" sz="4000" b="1" dirty="0" smtClean="0">
                 <a:latin typeface="Montserrat SemiBold"/>
               </a:rPr>
-              <a:t> </a:t>
+              <a:t>0 </a:t>
             </a:r>
             <a:r>
               <a:rPr lang="ru-RU" sz="4000" b="1" dirty="0">
@@ -7310,15 +7334,15 @@
         </p:nvSpPr>
         <p:spPr>
           <a:xfrm>
-            <a:off x="908050" y="1767538"/>
-            <a:ext cx="10052050" cy="8217634"/>
+            <a:off x="146050" y="1767538"/>
+            <a:ext cx="11277600" cy="3785652"/>
           </a:xfrm>
           <a:prstGeom prst="rect">
             <a:avLst/>
           </a:prstGeom>
         </p:spPr>
         <p:txBody>
-          <a:bodyPr>
+          <a:bodyPr wrap="square">
             <a:spAutoFit/>
           </a:bodyPr>
           <a:lstStyle/>
@@ -7330,16 +7354,10 @@
               <a:t>Этап 1: Анализ и проектирование </a:t>
             </a:r>
             <a:r>
-              <a:rPr lang="ru-RU" sz="2400" b="1" dirty="0">
-                <a:latin typeface="IBM Plex Mono" panose="020B0509050203000203" pitchFamily="49" charset="-52"/>
-              </a:rPr>
-              <a:t>(</a:t>
-            </a:r>
-            <a:r>
               <a:rPr lang="ru-RU" sz="2400" b="1" dirty="0" smtClean="0">
                 <a:latin typeface="IBM Plex Mono" panose="020B0509050203000203" pitchFamily="49" charset="-52"/>
               </a:rPr>
-              <a:t>)</a:t>
+              <a:t>(2)</a:t>
             </a:r>
             <a:endParaRPr lang="ru-RU" sz="2400" b="1" dirty="0">
               <a:latin typeface="IBM Plex Mono" panose="020B0509050203000203" pitchFamily="49" charset="-52"/>
@@ -7354,10 +7372,7 @@
             </a:r>
           </a:p>
           <a:p>
-            <a:pPr lvl="1">
-              <a:buFont typeface="Arial" panose="020B0604020202020204" pitchFamily="34" charset="0"/>
-              <a:buChar char="•"/>
-            </a:pPr>
+            <a:pPr lvl="1"/>
             <a:r>
               <a:rPr lang="ru-RU" sz="2400" dirty="0">
                 <a:latin typeface="IBM Plex Mono" panose="020B0509050203000203" pitchFamily="49" charset="-52"/>
@@ -7370,19 +7385,49 @@
               <a:rPr lang="ru-RU" sz="2400" dirty="0">
                 <a:latin typeface="IBM Plex Mono" panose="020B0509050203000203" pitchFamily="49" charset="-52"/>
               </a:rPr>
-              <a:t>1.2. Проектирование программного обеспечения</a:t>
-            </a:r>
-          </a:p>
-          <a:p>
-            <a:pPr lvl="1">
-              <a:buFont typeface="Arial" panose="020B0604020202020204" pitchFamily="34" charset="0"/>
-              <a:buChar char="•"/>
-            </a:pPr>
+              <a:t>1.2. </a:t>
+            </a:r>
             <a:r>
               <a:rPr lang="ru-RU" sz="2400" dirty="0">
                 <a:latin typeface="IBM Plex Mono" panose="020B0509050203000203" pitchFamily="49" charset="-52"/>
               </a:rPr>
-              <a:t> Архитектор: 400 000 руб. (2 месяца)</a:t>
+              <a:t>Н</a:t>
+            </a:r>
+            <a:r>
+              <a:rPr lang="ru-RU" sz="2400" dirty="0" smtClean="0">
+                <a:latin typeface="IBM Plex Mono" panose="020B0509050203000203" pitchFamily="49" charset="-52"/>
+              </a:rPr>
+              <a:t>астройка сервера</a:t>
+            </a:r>
+            <a:endParaRPr lang="ru-RU" sz="2400" dirty="0">
+              <a:latin typeface="IBM Plex Mono" panose="020B0509050203000203" pitchFamily="49" charset="-52"/>
+            </a:endParaRPr>
+          </a:p>
+          <a:p>
+            <a:pPr lvl="1"/>
+            <a:r>
+              <a:rPr lang="ru-RU" sz="2400" dirty="0">
+                <a:latin typeface="IBM Plex Mono" panose="020B0509050203000203" pitchFamily="49" charset="-52"/>
+              </a:rPr>
+              <a:t> </a:t>
+            </a:r>
+            <a:r>
+              <a:rPr lang="ru-RU" sz="2400" dirty="0" err="1" smtClean="0">
+                <a:latin typeface="IBM Plex Mono" panose="020B0509050203000203" pitchFamily="49" charset="-52"/>
+              </a:rPr>
+              <a:t>Бэкенд</a:t>
+            </a:r>
+            <a:r>
+              <a:rPr lang="ru-RU" sz="2400" dirty="0" smtClean="0">
+                <a:latin typeface="IBM Plex Mono" panose="020B0509050203000203" pitchFamily="49" charset="-52"/>
+              </a:rPr>
+              <a:t>-разработчик: </a:t>
+            </a:r>
+            <a:r>
+              <a:rPr lang="ru-RU" sz="2400" dirty="0">
+                <a:latin typeface="IBM Plex Mono" panose="020B0509050203000203" pitchFamily="49" charset="-52"/>
+              </a:rPr>
+              <a:t>400 000 руб. (2 месяца)</a:t>
             </a:r>
           </a:p>
           <a:p>
@@ -7390,7 +7435,19 @@
               <a:rPr lang="ru-RU" sz="2400" b="1" dirty="0">
                 <a:latin typeface="IBM Plex Mono" panose="020B0509050203000203" pitchFamily="49" charset="-52"/>
               </a:rPr>
-              <a:t>Этап 2: Разработка и тестирование (9 месяцев)</a:t>
+              <a:t>Этап 2: </a:t>
+            </a:r>
+            <a:r>
+              <a:rPr lang="ru-RU" sz="2400" b="1" dirty="0" smtClean="0">
+                <a:latin typeface="IBM Plex Mono" panose="020B0509050203000203" pitchFamily="49" charset="-52"/>
+              </a:rPr>
+              <a:t>Разработка (9 </a:t>
+            </a:r>
+            <a:r>
+              <a:rPr lang="ru-RU" sz="2400" b="1" dirty="0">
+                <a:latin typeface="IBM Plex Mono" panose="020B0509050203000203" pitchFamily="49" charset="-52"/>
+              </a:rPr>
+              <a:t>месяцев)</a:t>
             </a:r>
           </a:p>
           <a:p>
@@ -7398,14 +7455,20 @@
               <a:rPr lang="ru-RU" sz="2400" dirty="0">
                 <a:latin typeface="IBM Plex Mono" panose="020B0509050203000203" pitchFamily="49" charset="-52"/>
               </a:rPr>
-              <a:t>2.1. Разработка программного обеспечения</a:t>
-            </a:r>
-          </a:p>
-          <a:p>
-            <a:pPr lvl="1">
-              <a:buFont typeface="Arial" panose="020B0604020202020204" pitchFamily="34" charset="0"/>
-              <a:buChar char="•"/>
-            </a:pPr>
+              <a:t>2.1. Разработка </a:t>
+            </a:r>
+            <a:r>
+              <a:rPr lang="ru-RU" sz="2400" dirty="0" smtClean="0">
+                <a:latin typeface="IBM Plex Mono" panose="020B0509050203000203" pitchFamily="49" charset="-52"/>
+              </a:rPr>
+              <a:t>платформы</a:t>
+            </a:r>
+            <a:endParaRPr lang="ru-RU" sz="2400" dirty="0">
+              <a:latin typeface="IBM Plex Mono" panose="020B0509050203000203" pitchFamily="49" charset="-52"/>
+            </a:endParaRPr>
+          </a:p>
+          <a:p>
+            <a:pPr lvl="1"/>
             <a:r>
               <a:rPr lang="ru-RU" sz="2400" dirty="0">
                 <a:latin typeface="IBM Plex Mono" panose="020B0509050203000203" pitchFamily="49" charset="-52"/>
@@ -7426,10 +7489,7 @@
             </a:r>
           </a:p>
           <a:p>
-            <a:pPr lvl="1">
-              <a:buFont typeface="Arial" panose="020B0604020202020204" pitchFamily="34" charset="0"/>
-              <a:buChar char="•"/>
-            </a:pPr>
+            <a:pPr lvl="1"/>
             <a:r>
               <a:rPr lang="ru-RU" sz="2400" dirty="0">
                 <a:latin typeface="IBM Plex Mono" panose="020B0509050203000203" pitchFamily="49" charset="-52"/>
@@ -7438,96 +7498,9 @@
             </a:r>
           </a:p>
           <a:p>
-            <a:pPr lvl="1">
-              <a:buFont typeface="Arial" panose="020B0604020202020204" pitchFamily="34" charset="0"/>
-              <a:buChar char="•"/>
-            </a:pPr>
-            <a:r>
-              <a:rPr lang="ru-RU" sz="2400" dirty="0">
-                <a:latin typeface="IBM Plex Mono" panose="020B0509050203000203" pitchFamily="49" charset="-52"/>
-              </a:rPr>
-              <a:t> Разработчик мобильного приложения: 300 000 руб. (3 месяца)</a:t>
-            </a:r>
-          </a:p>
-          <a:p>
-            <a:r>
-              <a:rPr lang="ru-RU" sz="2400" dirty="0">
-                <a:latin typeface="IBM Plex Mono" panose="020B0509050203000203" pitchFamily="49" charset="-52"/>
-              </a:rPr>
-              <a:t>2.2. Тестирование и обеспечение качества</a:t>
-            </a:r>
-          </a:p>
-          <a:p>
-            <a:pPr lvl="1">
-              <a:buFont typeface="Arial" panose="020B0604020202020204" pitchFamily="34" charset="0"/>
-              <a:buChar char="•"/>
-            </a:pPr>
-            <a:r>
-              <a:rPr lang="ru-RU" sz="2400" dirty="0">
-                <a:latin typeface="IBM Plex Mono" panose="020B0509050203000203" pitchFamily="49" charset="-52"/>
-              </a:rPr>
-              <a:t> QA-специалист: 200 000 руб. (3 месяца)</a:t>
-            </a:r>
-          </a:p>
-          <a:p>
-            <a:r>
-              <a:rPr lang="ru-RU" sz="2400" b="1" dirty="0">
-                <a:latin typeface="IBM Plex Mono" panose="020B0509050203000203" pitchFamily="49" charset="-52"/>
-              </a:rPr>
-              <a:t>Этап 3: Инфраструктура и безопасность (4 месяца)</a:t>
-            </a:r>
-          </a:p>
-          <a:p>
-            <a:r>
-              <a:rPr lang="ru-RU" sz="2400" dirty="0">
-                <a:latin typeface="IBM Plex Mono" panose="020B0509050203000203" pitchFamily="49" charset="-52"/>
-              </a:rPr>
-              <a:t>3.1. Облачные вычисления и серверное оборудование</a:t>
-            </a:r>
-          </a:p>
-          <a:p>
-            <a:pPr lvl="1">
-              <a:buFont typeface="Arial" panose="020B0604020202020204" pitchFamily="34" charset="0"/>
-              <a:buChar char="•"/>
-            </a:pPr>
-            <a:r>
-              <a:rPr lang="ru-RU" sz="2400" dirty="0">
-                <a:latin typeface="IBM Plex Mono" panose="020B0509050203000203" pitchFamily="49" charset="-52"/>
-              </a:rPr>
-              <a:t> Специалист по облачным вычислениям: 400 000 руб. (2 месяца)</a:t>
-            </a:r>
-          </a:p>
-          <a:p>
-            <a:pPr lvl="1">
-              <a:buFont typeface="Arial" panose="020B0604020202020204" pitchFamily="34" charset="0"/>
-              <a:buChar char="•"/>
-            </a:pPr>
-            <a:r>
-              <a:rPr lang="ru-RU" sz="2400" dirty="0">
-                <a:latin typeface="IBM Plex Mono" panose="020B0509050203000203" pitchFamily="49" charset="-52"/>
-              </a:rPr>
-              <a:t> Специалист по серверному оборудованию: 400 000 руб. (2 месяца)</a:t>
-            </a:r>
-          </a:p>
-          <a:p>
-            <a:r>
-              <a:rPr lang="ru-RU" sz="2400" dirty="0">
-                <a:latin typeface="IBM Plex Mono" panose="020B0509050203000203" pitchFamily="49" charset="-52"/>
-              </a:rPr>
-              <a:t>3.2. Безопасность и шифрование данных</a:t>
-            </a:r>
-          </a:p>
-          <a:p>
-            <a:pPr lvl="1">
-              <a:buFont typeface="Arial" panose="020B0604020202020204" pitchFamily="34" charset="0"/>
-              <a:buChar char="•"/>
-            </a:pPr>
-            <a:r>
-              <a:rPr lang="ru-RU" sz="2400" dirty="0">
-                <a:latin typeface="IBM Plex Mono" panose="020B0509050203000203" pitchFamily="49" charset="-52"/>
-              </a:rPr>
-              <a:t> Специалист по безопасности данных: 400 000 руб. (2 месяца)</a:t>
-            </a:r>
+            <a:endParaRPr lang="ru-RU" sz="2400" dirty="0">
+              <a:latin typeface="IBM Plex Mono" panose="020B0509050203000203" pitchFamily="49" charset="-52"/>
+            </a:endParaRPr>
           </a:p>
         </p:txBody>
       </p:sp>
@@ -7545,104 +7518,218 @@
         </p:nvSpPr>
         <p:spPr>
           <a:xfrm>
-            <a:off x="10356850" y="1767538"/>
-            <a:ext cx="10052050" cy="3970318"/>
+            <a:off x="11191875" y="1836905"/>
+            <a:ext cx="8537575" cy="3416320"/>
           </a:xfrm>
           <a:prstGeom prst="rect">
             <a:avLst/>
           </a:prstGeom>
         </p:spPr>
         <p:txBody>
-          <a:bodyPr>
+          <a:bodyPr wrap="square">
             <a:spAutoFit/>
           </a:bodyPr>
           <a:lstStyle/>
           <a:p>
             <a:r>
-              <a:rPr lang="ru-RU" sz="2800" b="1" dirty="0">
-                <a:latin typeface="IBM Plex Mono" panose="020B0509050203000203" pitchFamily="49" charset="-52"/>
-              </a:rPr>
-              <a:t>Этап 4: Интеграция и тестирование (4 месяца)</a:t>
-            </a:r>
-          </a:p>
-          <a:p>
-            <a:r>
-              <a:rPr lang="ru-RU" sz="2800" dirty="0">
-                <a:latin typeface="IBM Plex Mono" panose="020B0509050203000203" pitchFamily="49" charset="-52"/>
-              </a:rPr>
-              <a:t>4.1. Интеграция с существующими системами</a:t>
-            </a:r>
-          </a:p>
-          <a:p>
-            <a:pPr lvl="1">
-              <a:buFont typeface="Arial" panose="020B0604020202020204" pitchFamily="34" charset="0"/>
-              <a:buChar char="•"/>
-            </a:pPr>
-            <a:r>
-              <a:rPr lang="ru-RU" sz="2800" dirty="0">
-                <a:latin typeface="IBM Plex Mono" panose="020B0509050203000203" pitchFamily="49" charset="-52"/>
-              </a:rPr>
-              <a:t> Разработчик: 400 000 руб. (2 месяца)</a:t>
-            </a:r>
-          </a:p>
-          <a:p>
-            <a:r>
-              <a:rPr lang="ru-RU" sz="2800" dirty="0">
-                <a:latin typeface="IBM Plex Mono" panose="020B0509050203000203" pitchFamily="49" charset="-52"/>
-              </a:rPr>
-              <a:t>4.2. Тестирование и оптимизация</a:t>
-            </a:r>
-          </a:p>
-          <a:p>
-            <a:pPr lvl="1">
-              <a:buFont typeface="Arial" panose="020B0604020202020204" pitchFamily="34" charset="0"/>
-              <a:buChar char="•"/>
-            </a:pPr>
-            <a:r>
-              <a:rPr lang="ru-RU" sz="2800" dirty="0">
-                <a:latin typeface="IBM Plex Mono" panose="020B0509050203000203" pitchFamily="49" charset="-52"/>
-              </a:rPr>
-              <a:t> QA-специалист: 200 000 руб. (2 месяца)</a:t>
-            </a:r>
-          </a:p>
-          <a:p>
-            <a:r>
-              <a:rPr lang="ru-RU" sz="2800" b="1" dirty="0">
-                <a:latin typeface="IBM Plex Mono" panose="020B0509050203000203" pitchFamily="49" charset="-52"/>
-              </a:rPr>
-              <a:t>Этап 5: Запуск и поддержка (3 месяца)</a:t>
-            </a:r>
-          </a:p>
-          <a:p>
-            <a:r>
-              <a:rPr lang="ru-RU" sz="2800" dirty="0">
-                <a:latin typeface="IBM Plex Mono" panose="020B0509050203000203" pitchFamily="49" charset="-52"/>
-              </a:rPr>
-              <a:t>5.1. Обучение и поддержка пользователей</a:t>
-            </a:r>
-          </a:p>
-          <a:p>
-            <a:pPr lvl="1">
-              <a:buFont typeface="Arial" panose="020B0604020202020204" pitchFamily="34" charset="0"/>
-              <a:buChar char="•"/>
-            </a:pPr>
-            <a:r>
-              <a:rPr lang="ru-RU" sz="2800" dirty="0">
-                <a:latin typeface="IBM Plex Mono" panose="020B0509050203000203" pitchFamily="49" charset="-52"/>
-              </a:rPr>
-              <a:t> Специалист по обучению: 200 000 руб. (1 месяц)</a:t>
-            </a:r>
-          </a:p>
-          <a:p>
-            <a:pPr lvl="1">
-              <a:buFont typeface="Arial" panose="020B0604020202020204" pitchFamily="34" charset="0"/>
-              <a:buChar char="•"/>
-            </a:pPr>
-            <a:r>
-              <a:rPr lang="ru-RU" sz="2800" dirty="0">
-                <a:latin typeface="IBM Plex Mono" panose="020B0509050203000203" pitchFamily="49" charset="-52"/>
-              </a:rPr>
-              <a:t> Техническая поддержка: 300 000 руб. (3 месяца)</a:t>
+              <a:rPr lang="ru-RU" sz="2400" b="1" dirty="0">
+                <a:latin typeface="IBM Plex Mono" panose="020B0509050203000203" pitchFamily="49" charset="-52"/>
+              </a:rPr>
+              <a:t>Этап </a:t>
+            </a:r>
+            <a:r>
+              <a:rPr lang="ru-RU" sz="2400" b="1" dirty="0" smtClean="0">
+                <a:latin typeface="IBM Plex Mono" panose="020B0509050203000203" pitchFamily="49" charset="-52"/>
+              </a:rPr>
+              <a:t>3: </a:t>
+            </a:r>
+            <a:r>
+              <a:rPr lang="ru-RU" sz="2400" b="1" dirty="0">
+                <a:latin typeface="IBM Plex Mono" panose="020B0509050203000203" pitchFamily="49" charset="-52"/>
+              </a:rPr>
+              <a:t>Интеграция и тестирование (4 месяца)</a:t>
+            </a:r>
+          </a:p>
+          <a:p>
+            <a:r>
+              <a:rPr lang="ru-RU" sz="2400" dirty="0">
+                <a:latin typeface="IBM Plex Mono" panose="020B0509050203000203" pitchFamily="49" charset="-52"/>
+              </a:rPr>
+              <a:t>3</a:t>
+            </a:r>
+            <a:r>
+              <a:rPr lang="ru-RU" sz="2400" dirty="0" smtClean="0">
+                <a:latin typeface="IBM Plex Mono" panose="020B0509050203000203" pitchFamily="49" charset="-52"/>
+              </a:rPr>
+              <a:t>.1</a:t>
+            </a:r>
+            <a:r>
+              <a:rPr lang="ru-RU" sz="2400" dirty="0">
+                <a:latin typeface="IBM Plex Mono" panose="020B0509050203000203" pitchFamily="49" charset="-52"/>
+              </a:rPr>
+              <a:t>. Интеграция с существующими системами</a:t>
+            </a:r>
+          </a:p>
+          <a:p>
+            <a:pPr lvl="1"/>
+            <a:r>
+              <a:rPr lang="ru-RU" sz="2400" dirty="0">
+                <a:latin typeface="IBM Plex Mono" panose="020B0509050203000203" pitchFamily="49" charset="-52"/>
+              </a:rPr>
+              <a:t> </a:t>
+            </a:r>
+            <a:r>
+              <a:rPr lang="ru-RU" sz="2400" dirty="0" err="1" smtClean="0">
+                <a:latin typeface="IBM Plex Mono" panose="020B0509050203000203" pitchFamily="49" charset="-52"/>
+              </a:rPr>
+              <a:t>Бэкенд</a:t>
+            </a:r>
+            <a:r>
+              <a:rPr lang="ru-RU" sz="2400" dirty="0" smtClean="0">
+                <a:latin typeface="IBM Plex Mono" panose="020B0509050203000203" pitchFamily="49" charset="-52"/>
+              </a:rPr>
+              <a:t>-разработчик: </a:t>
+            </a:r>
+            <a:r>
+              <a:rPr lang="ru-RU" sz="2400" dirty="0">
+                <a:latin typeface="IBM Plex Mono" panose="020B0509050203000203" pitchFamily="49" charset="-52"/>
+              </a:rPr>
+              <a:t>400 000 руб. (2 месяца)</a:t>
+            </a:r>
+          </a:p>
+          <a:p>
+            <a:r>
+              <a:rPr lang="ru-RU" sz="2400" dirty="0">
+                <a:latin typeface="IBM Plex Mono" panose="020B0509050203000203" pitchFamily="49" charset="-52"/>
+              </a:rPr>
+              <a:t>3</a:t>
+            </a:r>
+            <a:r>
+              <a:rPr lang="ru-RU" sz="2400" dirty="0" smtClean="0">
+                <a:latin typeface="IBM Plex Mono" panose="020B0509050203000203" pitchFamily="49" charset="-52"/>
+              </a:rPr>
+              <a:t>.2</a:t>
+            </a:r>
+            <a:r>
+              <a:rPr lang="ru-RU" sz="2400" dirty="0">
+                <a:latin typeface="IBM Plex Mono" panose="020B0509050203000203" pitchFamily="49" charset="-52"/>
+              </a:rPr>
+              <a:t>. Тестирование и оптимизация</a:t>
+            </a:r>
+          </a:p>
+          <a:p>
+            <a:pPr lvl="1"/>
+            <a:r>
+              <a:rPr lang="ru-RU" sz="2400" dirty="0">
+                <a:latin typeface="IBM Plex Mono" panose="020B0509050203000203" pitchFamily="49" charset="-52"/>
+              </a:rPr>
+              <a:t> </a:t>
+            </a:r>
+            <a:r>
+              <a:rPr lang="ru-RU" sz="2400" dirty="0" err="1">
+                <a:latin typeface="IBM Plex Mono" panose="020B0509050203000203" pitchFamily="49" charset="-52"/>
+              </a:rPr>
+              <a:t>Бэкенд</a:t>
+            </a:r>
+            <a:r>
+              <a:rPr lang="ru-RU" sz="2400" dirty="0">
+                <a:latin typeface="IBM Plex Mono" panose="020B0509050203000203" pitchFamily="49" charset="-52"/>
+              </a:rPr>
+              <a:t>-разработчик : </a:t>
+            </a:r>
+            <a:r>
+              <a:rPr lang="ru-RU" sz="2400" dirty="0">
+                <a:latin typeface="IBM Plex Mono" panose="020B0509050203000203" pitchFamily="49" charset="-52"/>
+              </a:rPr>
+              <a:t>200 000 руб. (2 месяца)</a:t>
+            </a:r>
+          </a:p>
+          <a:p>
+            <a:r>
+              <a:rPr lang="ru-RU" sz="2400" b="1" dirty="0">
+                <a:latin typeface="IBM Plex Mono" panose="020B0509050203000203" pitchFamily="49" charset="-52"/>
+              </a:rPr>
+              <a:t>Этап </a:t>
+            </a:r>
+            <a:r>
+              <a:rPr lang="ru-RU" sz="2400" b="1" dirty="0" smtClean="0">
+                <a:latin typeface="IBM Plex Mono" panose="020B0509050203000203" pitchFamily="49" charset="-52"/>
+              </a:rPr>
+              <a:t>3: </a:t>
+            </a:r>
+            <a:r>
+              <a:rPr lang="ru-RU" sz="2400" b="1" dirty="0">
+                <a:latin typeface="IBM Plex Mono" panose="020B0509050203000203" pitchFamily="49" charset="-52"/>
+              </a:rPr>
+              <a:t>Запуск и поддержка (3 месяца)</a:t>
+            </a:r>
+          </a:p>
+          <a:p>
+            <a:r>
+              <a:rPr lang="ru-RU" sz="2400" dirty="0">
+                <a:latin typeface="IBM Plex Mono" panose="020B0509050203000203" pitchFamily="49" charset="-52"/>
+              </a:rPr>
+              <a:t>3</a:t>
+            </a:r>
+            <a:r>
+              <a:rPr lang="ru-RU" sz="2400" dirty="0" smtClean="0">
+                <a:latin typeface="IBM Plex Mono" panose="020B0509050203000203" pitchFamily="49" charset="-52"/>
+              </a:rPr>
+              <a:t>.1</a:t>
+            </a:r>
+            <a:r>
+              <a:rPr lang="ru-RU" sz="2400" dirty="0">
+                <a:latin typeface="IBM Plex Mono" panose="020B0509050203000203" pitchFamily="49" charset="-52"/>
+              </a:rPr>
+              <a:t>. Обучение и поддержка пользователей</a:t>
+            </a:r>
+          </a:p>
+          <a:p>
+            <a:pPr lvl="1"/>
+            <a:r>
+              <a:rPr lang="ru-RU" sz="2400" dirty="0">
+                <a:latin typeface="IBM Plex Mono" panose="020B0509050203000203" pitchFamily="49" charset="-52"/>
+              </a:rPr>
+              <a:t> Специалист по обучению: </a:t>
+            </a:r>
+            <a:r>
+              <a:rPr lang="ru-RU" sz="2400" dirty="0">
+                <a:latin typeface="IBM Plex Mono" panose="020B0509050203000203" pitchFamily="49" charset="-52"/>
+              </a:rPr>
+              <a:t>3</a:t>
+            </a:r>
+            <a:r>
+              <a:rPr lang="ru-RU" sz="2400" dirty="0" smtClean="0">
+                <a:latin typeface="IBM Plex Mono" panose="020B0509050203000203" pitchFamily="49" charset="-52"/>
+              </a:rPr>
+              <a:t>0 </a:t>
+            </a:r>
+            <a:r>
+              <a:rPr lang="ru-RU" sz="2400" dirty="0">
+                <a:latin typeface="IBM Plex Mono" panose="020B0509050203000203" pitchFamily="49" charset="-52"/>
+              </a:rPr>
+              <a:t>000 руб. (1 месяц)</a:t>
+            </a:r>
+          </a:p>
+          <a:p>
+            <a:pPr lvl="1"/>
+            <a:r>
+              <a:rPr lang="ru-RU" sz="2400" dirty="0">
+                <a:latin typeface="IBM Plex Mono" panose="020B0509050203000203" pitchFamily="49" charset="-52"/>
+              </a:rPr>
+              <a:t> Техническая поддержка: </a:t>
+            </a:r>
+            <a:r>
+              <a:rPr lang="ru-RU" sz="2400" dirty="0" smtClean="0">
+                <a:latin typeface="IBM Plex Mono" panose="020B0509050203000203" pitchFamily="49" charset="-52"/>
+              </a:rPr>
+              <a:t>90 </a:t>
+            </a:r>
+            <a:r>
+              <a:rPr lang="ru-RU" sz="2400" dirty="0">
+                <a:latin typeface="IBM Plex Mono" panose="020B0509050203000203" pitchFamily="49" charset="-52"/>
+              </a:rPr>
+              <a:t>000 руб. (3 месяца)</a:t>
             </a:r>
           </a:p>
         </p:txBody>
@@ -7661,8 +7748,8 @@
         </p:nvSpPr>
         <p:spPr>
           <a:xfrm>
-            <a:off x="13709650" y="9061589"/>
-            <a:ext cx="5047023" cy="707886"/>
+            <a:off x="13862050" y="8474075"/>
+            <a:ext cx="5401928" cy="707886"/>
           </a:xfrm>
           <a:prstGeom prst="rect">
             <a:avLst/>
@@ -7676,13 +7763,25 @@
           <a:p>
             <a:r>
               <a:rPr lang="ru-RU" sz="4000" b="1" dirty="0">
-                <a:solidFill>
-                  <a:srgbClr val="0F316C"/>
-                </a:solidFill>
                 <a:latin typeface="Montserrat SemiBold"/>
               </a:rPr>
-              <a:t>Итого: 13 000 000 руб.</a:t>
-            </a:r>
+              <a:t>Итого: 3 720 </a:t>
+            </a:r>
+            <a:r>
+              <a:rPr lang="ru-RU" sz="4000" b="1" dirty="0" smtClean="0">
+                <a:latin typeface="Montserrat SemiBold"/>
+              </a:rPr>
+              <a:t>000 руб</a:t>
+            </a:r>
+            <a:r>
+              <a:rPr lang="ru-RU" sz="4000" b="1" dirty="0">
+                <a:latin typeface="Montserrat SemiBold"/>
+              </a:rPr>
+              <a:t>.</a:t>
+            </a:r>
+            <a:endParaRPr lang="ru-RU" sz="4000" b="1" dirty="0">
+              <a:latin typeface="Montserrat SemiBold"/>
+            </a:endParaRPr>
           </a:p>
         </p:txBody>
       </p:sp>
@@ -7700,7 +7799,7 @@
         </p:nvSpPr>
         <p:spPr>
           <a:xfrm>
-            <a:off x="11600136" y="9769475"/>
+            <a:off x="11728450" y="9523507"/>
             <a:ext cx="8235950" cy="923330"/>
           </a:xfrm>
           <a:prstGeom prst="rect">
